--- a/KoreantoTCGA/[KtT]Rectal_cancer_classification.pptx
+++ b/KoreantoTCGA/[KtT]Rectal_cancer_classification.pptx
@@ -5,7 +5,7 @@
     <p:sldMasterId id="2147483648" r:id="rId1"/>
   </p:sldMasterIdLst>
   <p:notesMasterIdLst>
-    <p:notesMasterId r:id="rId15"/>
+    <p:notesMasterId r:id="rId14"/>
   </p:notesMasterIdLst>
   <p:sldIdLst>
     <p:sldId id="256" r:id="rId2"/>
@@ -20,7 +20,6 @@
     <p:sldId id="266" r:id="rId11"/>
     <p:sldId id="267" r:id="rId12"/>
     <p:sldId id="273" r:id="rId13"/>
-    <p:sldId id="274" r:id="rId14"/>
   </p:sldIdLst>
   <p:sldSz cx="12192000" cy="6858000"/>
   <p:notesSz cx="6858000" cy="9144000"/>
@@ -7706,26 +7705,419 @@
       </p:sp>
       <p:sp>
         <p:nvSpPr>
-          <p:cNvPr id="3" name="내용 개체 틀 2">
+          <p:cNvPr id="4" name="Rectangle 1">
             <a:extLst>
               <a:ext uri="{FF2B5EF4-FFF2-40B4-BE49-F238E27FC236}">
-                <a16:creationId xmlns:a16="http://schemas.microsoft.com/office/drawing/2014/main" id="{EBB76C40-4E8A-4005-80F0-363D8EDE58B3}"/>
+                <a16:creationId xmlns:a16="http://schemas.microsoft.com/office/drawing/2014/main" id="{D418F371-78B9-4CCC-AE07-8CA46FD1796E}"/>
               </a:ext>
             </a:extLst>
           </p:cNvPr>
           <p:cNvSpPr>
-            <a:spLocks noGrp="1"/>
+            <a:spLocks noGrp="1" noChangeArrowheads="1"/>
           </p:cNvSpPr>
           <p:nvPr>
             <p:ph idx="1"/>
           </p:nvPr>
         </p:nvSpPr>
-        <p:spPr/>
+        <p:spPr bwMode="auto">
+          <a:xfrm>
+            <a:off x="838200" y="1825625"/>
+            <a:ext cx="8925520" cy="553998"/>
+          </a:xfrm>
+          <a:prstGeom prst="rect">
+            <a:avLst/>
+          </a:prstGeom>
+          <a:solidFill>
+            <a:srgbClr val="FFFFFF"/>
+          </a:solidFill>
+          <a:ln>
+            <a:noFill/>
+          </a:ln>
+          <a:effectLst/>
+          <a:extLst>
+            <a:ext uri="{91240B29-F687-4F45-9708-019B960494DF}">
+              <a14:hiddenLine xmlns:a14="http://schemas.microsoft.com/office/drawing/2010/main" w="9525">
+                <a:solidFill>
+                  <a:schemeClr val="tx1"/>
+                </a:solidFill>
+                <a:miter lim="800000"/>
+                <a:headEnd/>
+                <a:tailEnd/>
+              </a14:hiddenLine>
+            </a:ext>
+            <a:ext uri="{AF507438-7753-43E0-B8FC-AC1667EBCBE1}">
+              <a14:hiddenEffects xmlns:a14="http://schemas.microsoft.com/office/drawing/2010/main">
+                <a:effectLst>
+                  <a:outerShdw dist="35921" dir="2700000" algn="ctr" rotWithShape="0">
+                    <a:schemeClr val="bg2"/>
+                  </a:outerShdw>
+                </a:effectLst>
+              </a14:hiddenEffects>
+            </a:ext>
+          </a:extLst>
+        </p:spPr>
         <p:txBody>
-          <a:bodyPr/>
+          <a:bodyPr vert="horz" wrap="none" lIns="0" tIns="0" rIns="0" bIns="0" numCol="1" anchor="t" anchorCtr="0" compatLnSpc="1">
+            <a:prstTxWarp prst="textNoShape">
+              <a:avLst/>
+            </a:prstTxWarp>
+            <a:spAutoFit/>
+          </a:bodyPr>
           <a:lstStyle/>
           <a:p>
-            <a:endParaRPr lang="ko-KR" altLang="en-US"/>
+            <a:pPr marL="0" marR="0" lvl="0" indent="0" algn="l" defTabSz="914400" rtl="0" eaLnBrk="0" fontAlgn="base" latinLnBrk="0" hangingPunct="0">
+              <a:lnSpc>
+                <a:spcPct val="100000"/>
+              </a:lnSpc>
+              <a:spcBef>
+                <a:spcPct val="0"/>
+              </a:spcBef>
+              <a:spcAft>
+                <a:spcPct val="0"/>
+              </a:spcAft>
+              <a:buClrTx/>
+              <a:buSzTx/>
+              <a:buFontTx/>
+              <a:buNone/>
+              <a:tabLst/>
+            </a:pPr>
+            <a:r>
+              <a:rPr kumimoji="0" lang="ko-KR" altLang="ko-KR" sz="1800" b="0" i="0" u="none" strike="noStrike" cap="none" normalizeH="0" baseline="0" dirty="0">
+                <a:ln>
+                  <a:noFill/>
+                </a:ln>
+                <a:solidFill>
+                  <a:srgbClr val="C5060B"/>
+                </a:solidFill>
+                <a:effectLst/>
+                <a:latin typeface="Lucida Console" panose="020B0609040504020204" pitchFamily="49" charset="0"/>
+              </a:rPr>
+              <a:t>&lt;2 </a:t>
+            </a:r>
+            <a:r>
+              <a:rPr kumimoji="0" lang="ko-KR" altLang="ko-KR" sz="1800" b="0" i="0" u="none" strike="noStrike" cap="none" normalizeH="0" baseline="0" dirty="0" err="1">
+                <a:ln>
+                  <a:noFill/>
+                </a:ln>
+                <a:solidFill>
+                  <a:srgbClr val="C5060B"/>
+                </a:solidFill>
+                <a:effectLst/>
+                <a:latin typeface="Lucida Console" panose="020B0609040504020204" pitchFamily="49" charset="0"/>
+              </a:rPr>
+              <a:t>matched</a:t>
+            </a:r>
+            <a:r>
+              <a:rPr kumimoji="0" lang="ko-KR" altLang="ko-KR" sz="1800" b="0" i="0" u="none" strike="noStrike" cap="none" normalizeH="0" baseline="0" dirty="0">
+                <a:ln>
+                  <a:noFill/>
+                </a:ln>
+                <a:solidFill>
+                  <a:srgbClr val="C5060B"/>
+                </a:solidFill>
+                <a:effectLst/>
+                <a:latin typeface="Lucida Console" panose="020B0609040504020204" pitchFamily="49" charset="0"/>
+              </a:rPr>
+              <a:t> </a:t>
+            </a:r>
+            <a:r>
+              <a:rPr kumimoji="0" lang="ko-KR" altLang="ko-KR" sz="1800" b="0" i="0" u="none" strike="noStrike" cap="none" normalizeH="0" baseline="0" dirty="0" err="1">
+                <a:ln>
+                  <a:noFill/>
+                </a:ln>
+                <a:solidFill>
+                  <a:srgbClr val="C5060B"/>
+                </a:solidFill>
+                <a:effectLst/>
+                <a:latin typeface="Lucida Console" panose="020B0609040504020204" pitchFamily="49" charset="0"/>
+              </a:rPr>
+              <a:t>features</a:t>
+            </a:r>
+            <a:r>
+              <a:rPr kumimoji="0" lang="ko-KR" altLang="ko-KR" sz="1800" b="0" i="0" u="none" strike="noStrike" cap="none" normalizeH="0" baseline="0" dirty="0">
+                <a:ln>
+                  <a:noFill/>
+                </a:ln>
+                <a:solidFill>
+                  <a:srgbClr val="C5060B"/>
+                </a:solidFill>
+                <a:effectLst/>
+                <a:latin typeface="Lucida Console" panose="020B0609040504020204" pitchFamily="49" charset="0"/>
+              </a:rPr>
+              <a:t>/</a:t>
+            </a:r>
+            <a:r>
+              <a:rPr kumimoji="0" lang="ko-KR" altLang="ko-KR" sz="1800" b="0" i="0" u="none" strike="noStrike" cap="none" normalizeH="0" baseline="0" dirty="0" err="1">
+                <a:ln>
+                  <a:noFill/>
+                </a:ln>
+                <a:solidFill>
+                  <a:srgbClr val="C5060B"/>
+                </a:solidFill>
+                <a:effectLst/>
+                <a:latin typeface="Lucida Console" panose="020B0609040504020204" pitchFamily="49" charset="0"/>
+              </a:rPr>
+              <a:t>class</a:t>
+            </a:r>
+            <a:r>
+              <a:rPr kumimoji="0" lang="ko-KR" altLang="ko-KR" sz="1800" b="0" i="0" u="none" strike="noStrike" cap="none" normalizeH="0" baseline="0" dirty="0">
+                <a:ln>
+                  <a:noFill/>
+                </a:ln>
+                <a:solidFill>
+                  <a:srgbClr val="C5060B"/>
+                </a:solidFill>
+                <a:effectLst/>
+                <a:latin typeface="Lucida Console" panose="020B0609040504020204" pitchFamily="49" charset="0"/>
+              </a:rPr>
+              <a:t> </a:t>
+            </a:r>
+            <a:endParaRPr kumimoji="0" lang="en-US" altLang="ko-KR" sz="1800" b="0" i="0" u="none" strike="noStrike" cap="none" normalizeH="0" baseline="0" dirty="0">
+              <a:ln>
+                <a:noFill/>
+              </a:ln>
+              <a:solidFill>
+                <a:srgbClr val="C5060B"/>
+              </a:solidFill>
+              <a:effectLst/>
+              <a:latin typeface="Lucida Console" panose="020B0609040504020204" pitchFamily="49" charset="0"/>
+            </a:endParaRPr>
+          </a:p>
+          <a:p>
+            <a:pPr marL="0" marR="0" lvl="0" indent="0" algn="l" defTabSz="914400" rtl="0" eaLnBrk="0" fontAlgn="base" latinLnBrk="0" hangingPunct="0">
+              <a:lnSpc>
+                <a:spcPct val="100000"/>
+              </a:lnSpc>
+              <a:spcBef>
+                <a:spcPct val="0"/>
+              </a:spcBef>
+              <a:spcAft>
+                <a:spcPct val="0"/>
+              </a:spcAft>
+              <a:buClrTx/>
+              <a:buSzTx/>
+              <a:buFontTx/>
+              <a:buNone/>
+              <a:tabLst/>
+            </a:pPr>
+            <a:r>
+              <a:rPr kumimoji="0" lang="ko-KR" altLang="ko-KR" sz="1800" b="0" i="0" u="none" strike="noStrike" cap="none" normalizeH="0" baseline="0" dirty="0" err="1">
+                <a:ln>
+                  <a:noFill/>
+                </a:ln>
+                <a:solidFill>
+                  <a:srgbClr val="C5060B"/>
+                </a:solidFill>
+                <a:effectLst/>
+                <a:latin typeface="Lucida Console" panose="020B0609040504020204" pitchFamily="49" charset="0"/>
+              </a:rPr>
+              <a:t>Error</a:t>
+            </a:r>
+            <a:r>
+              <a:rPr kumimoji="0" lang="ko-KR" altLang="ko-KR" sz="1800" b="0" i="0" u="none" strike="noStrike" cap="none" normalizeH="0" baseline="0" dirty="0">
+                <a:ln>
+                  <a:noFill/>
+                </a:ln>
+                <a:solidFill>
+                  <a:srgbClr val="C5060B"/>
+                </a:solidFill>
+                <a:effectLst/>
+                <a:latin typeface="Lucida Console" panose="020B0609040504020204" pitchFamily="49" charset="0"/>
+              </a:rPr>
+              <a:t>: </a:t>
+            </a:r>
+            <a:r>
+              <a:rPr kumimoji="0" lang="ko-KR" altLang="ko-KR" sz="1800" b="0" i="0" u="none" strike="noStrike" cap="none" normalizeH="0" baseline="0" dirty="0" err="1">
+                <a:ln>
+                  <a:noFill/>
+                </a:ln>
+                <a:solidFill>
+                  <a:srgbClr val="C5060B"/>
+                </a:solidFill>
+                <a:effectLst/>
+                <a:latin typeface="Lucida Console" panose="020B0609040504020204" pitchFamily="49" charset="0"/>
+              </a:rPr>
+              <a:t>check</a:t>
+            </a:r>
+            <a:r>
+              <a:rPr kumimoji="0" lang="ko-KR" altLang="ko-KR" sz="1800" b="0" i="0" u="none" strike="noStrike" cap="none" normalizeH="0" baseline="0" dirty="0">
+                <a:ln>
+                  <a:noFill/>
+                </a:ln>
+                <a:solidFill>
+                  <a:srgbClr val="C5060B"/>
+                </a:solidFill>
+                <a:effectLst/>
+                <a:latin typeface="Lucida Console" panose="020B0609040504020204" pitchFamily="49" charset="0"/>
+              </a:rPr>
+              <a:t> </a:t>
+            </a:r>
+            <a:r>
+              <a:rPr kumimoji="0" lang="ko-KR" altLang="ko-KR" sz="1800" b="0" i="0" u="none" strike="noStrike" cap="none" normalizeH="0" baseline="0" dirty="0" err="1">
+                <a:ln>
+                  <a:noFill/>
+                </a:ln>
+                <a:solidFill>
+                  <a:srgbClr val="C5060B"/>
+                </a:solidFill>
+                <a:effectLst/>
+                <a:latin typeface="Lucida Console" panose="020B0609040504020204" pitchFamily="49" charset="0"/>
+              </a:rPr>
+              <a:t>templates$probe</a:t>
+            </a:r>
+            <a:r>
+              <a:rPr kumimoji="0" lang="ko-KR" altLang="ko-KR" sz="1800" b="0" i="0" u="none" strike="noStrike" cap="none" normalizeH="0" baseline="0" dirty="0">
+                <a:ln>
+                  <a:noFill/>
+                </a:ln>
+                <a:solidFill>
+                  <a:srgbClr val="C5060B"/>
+                </a:solidFill>
+                <a:effectLst/>
+                <a:latin typeface="Lucida Console" panose="020B0609040504020204" pitchFamily="49" charset="0"/>
+              </a:rPr>
+              <a:t> </a:t>
+            </a:r>
+            <a:r>
+              <a:rPr kumimoji="0" lang="ko-KR" altLang="ko-KR" sz="1800" b="0" i="0" u="none" strike="noStrike" cap="none" normalizeH="0" baseline="0" dirty="0" err="1">
+                <a:ln>
+                  <a:noFill/>
+                </a:ln>
+                <a:solidFill>
+                  <a:srgbClr val="C5060B"/>
+                </a:solidFill>
+                <a:effectLst/>
+                <a:latin typeface="Lucida Console" panose="020B0609040504020204" pitchFamily="49" charset="0"/>
+              </a:rPr>
+              <a:t>is</a:t>
+            </a:r>
+            <a:r>
+              <a:rPr kumimoji="0" lang="ko-KR" altLang="ko-KR" sz="1800" b="0" i="0" u="none" strike="noStrike" cap="none" normalizeH="0" baseline="0" dirty="0">
+                <a:ln>
+                  <a:noFill/>
+                </a:ln>
+                <a:solidFill>
+                  <a:srgbClr val="C5060B"/>
+                </a:solidFill>
+                <a:effectLst/>
+                <a:latin typeface="Lucida Console" panose="020B0609040504020204" pitchFamily="49" charset="0"/>
+              </a:rPr>
+              <a:t> </a:t>
+            </a:r>
+            <a:r>
+              <a:rPr kumimoji="0" lang="ko-KR" altLang="ko-KR" sz="1800" b="0" i="0" u="none" strike="noStrike" cap="none" normalizeH="0" baseline="0" dirty="0" err="1">
+                <a:ln>
+                  <a:noFill/>
+                </a:ln>
+                <a:solidFill>
+                  <a:srgbClr val="C5060B"/>
+                </a:solidFill>
+                <a:effectLst/>
+                <a:latin typeface="Lucida Console" panose="020B0609040504020204" pitchFamily="49" charset="0"/>
+              </a:rPr>
+              <a:t>matchable</a:t>
+            </a:r>
+            <a:r>
+              <a:rPr kumimoji="0" lang="ko-KR" altLang="ko-KR" sz="1800" b="0" i="0" u="none" strike="noStrike" cap="none" normalizeH="0" baseline="0" dirty="0">
+                <a:ln>
+                  <a:noFill/>
+                </a:ln>
+                <a:solidFill>
+                  <a:srgbClr val="C5060B"/>
+                </a:solidFill>
+                <a:effectLst/>
+                <a:latin typeface="Lucida Console" panose="020B0609040504020204" pitchFamily="49" charset="0"/>
+              </a:rPr>
+              <a:t> </a:t>
+            </a:r>
+            <a:r>
+              <a:rPr kumimoji="0" lang="ko-KR" altLang="ko-KR" sz="1800" b="0" i="0" u="none" strike="noStrike" cap="none" normalizeH="0" baseline="0" dirty="0" err="1">
+                <a:ln>
+                  <a:noFill/>
+                </a:ln>
+                <a:solidFill>
+                  <a:srgbClr val="C5060B"/>
+                </a:solidFill>
+                <a:effectLst/>
+                <a:latin typeface="Lucida Console" panose="020B0609040504020204" pitchFamily="49" charset="0"/>
+              </a:rPr>
+              <a:t>against</a:t>
+            </a:r>
+            <a:r>
+              <a:rPr kumimoji="0" lang="ko-KR" altLang="ko-KR" sz="1800" b="0" i="0" u="none" strike="noStrike" cap="none" normalizeH="0" baseline="0" dirty="0">
+                <a:ln>
+                  <a:noFill/>
+                </a:ln>
+                <a:solidFill>
+                  <a:srgbClr val="C5060B"/>
+                </a:solidFill>
+                <a:effectLst/>
+                <a:latin typeface="Lucida Console" panose="020B0609040504020204" pitchFamily="49" charset="0"/>
+              </a:rPr>
+              <a:t> </a:t>
+            </a:r>
+            <a:r>
+              <a:rPr kumimoji="0" lang="ko-KR" altLang="ko-KR" sz="1800" b="0" i="0" u="none" strike="noStrike" cap="none" normalizeH="0" baseline="0" dirty="0" err="1">
+                <a:ln>
+                  <a:noFill/>
+                </a:ln>
+                <a:solidFill>
+                  <a:srgbClr val="C5060B"/>
+                </a:solidFill>
+                <a:effectLst/>
+                <a:latin typeface="Lucida Console" panose="020B0609040504020204" pitchFamily="49" charset="0"/>
+              </a:rPr>
+              <a:t>rownames</a:t>
+            </a:r>
+            <a:r>
+              <a:rPr kumimoji="0" lang="ko-KR" altLang="ko-KR" sz="1800" b="0" i="0" u="none" strike="noStrike" cap="none" normalizeH="0" baseline="0" dirty="0">
+                <a:ln>
+                  <a:noFill/>
+                </a:ln>
+                <a:solidFill>
+                  <a:srgbClr val="C5060B"/>
+                </a:solidFill>
+                <a:effectLst/>
+                <a:latin typeface="Lucida Console" panose="020B0609040504020204" pitchFamily="49" charset="0"/>
+              </a:rPr>
+              <a:t>(</a:t>
+            </a:r>
+            <a:r>
+              <a:rPr kumimoji="0" lang="ko-KR" altLang="ko-KR" sz="1800" b="0" i="0" u="none" strike="noStrike" cap="none" normalizeH="0" baseline="0" dirty="0" err="1">
+                <a:ln>
+                  <a:noFill/>
+                </a:ln>
+                <a:solidFill>
+                  <a:srgbClr val="C5060B"/>
+                </a:solidFill>
+                <a:effectLst/>
+                <a:latin typeface="Lucida Console" panose="020B0609040504020204" pitchFamily="49" charset="0"/>
+              </a:rPr>
+              <a:t>emat</a:t>
+            </a:r>
+            <a:r>
+              <a:rPr kumimoji="0" lang="ko-KR" altLang="ko-KR" sz="1800" b="0" i="0" u="none" strike="noStrike" cap="none" normalizeH="0" baseline="0" dirty="0">
+                <a:ln>
+                  <a:noFill/>
+                </a:ln>
+                <a:solidFill>
+                  <a:srgbClr val="C5060B"/>
+                </a:solidFill>
+                <a:effectLst/>
+                <a:latin typeface="Lucida Console" panose="020B0609040504020204" pitchFamily="49" charset="0"/>
+              </a:rPr>
+              <a:t>)</a:t>
+            </a:r>
+            <a:endParaRPr kumimoji="0" lang="ko-KR" altLang="ko-KR" sz="1800" b="0" i="0" u="none" strike="noStrike" cap="none" normalizeH="0" baseline="0" dirty="0">
+              <a:ln>
+                <a:noFill/>
+              </a:ln>
+              <a:solidFill>
+                <a:schemeClr val="tx1"/>
+              </a:solidFill>
+              <a:effectLst/>
+              <a:latin typeface="Arial" panose="020B0604020202020204" pitchFamily="34" charset="0"/>
+            </a:endParaRPr>
           </a:p>
         </p:txBody>
       </p:sp>
@@ -7733,192 +8125,6 @@
     <p:extLst>
       <p:ext uri="{BB962C8B-B14F-4D97-AF65-F5344CB8AC3E}">
         <p14:creationId xmlns:p14="http://schemas.microsoft.com/office/powerpoint/2010/main" val="669928413"/>
-      </p:ext>
-    </p:extLst>
-  </p:cSld>
-  <p:clrMapOvr>
-    <a:masterClrMapping/>
-  </p:clrMapOvr>
-</p:sld>
-</file>
-
-<file path=ppt/slides/slide13.xml><?xml version="1.0" encoding="utf-8"?>
-<p:sld xmlns:a="http://schemas.openxmlformats.org/drawingml/2006/main" xmlns:r="http://schemas.openxmlformats.org/officeDocument/2006/relationships" xmlns:p="http://schemas.openxmlformats.org/presentationml/2006/main">
-  <p:cSld>
-    <p:spTree>
-      <p:nvGrpSpPr>
-        <p:cNvPr id="1" name=""/>
-        <p:cNvGrpSpPr/>
-        <p:nvPr/>
-      </p:nvGrpSpPr>
-      <p:grpSpPr>
-        <a:xfrm>
-          <a:off x="0" y="0"/>
-          <a:ext cx="0" cy="0"/>
-          <a:chOff x="0" y="0"/>
-          <a:chExt cx="0" cy="0"/>
-        </a:xfrm>
-      </p:grpSpPr>
-      <p:sp>
-        <p:nvSpPr>
-          <p:cNvPr id="2" name="제목 1">
-            <a:extLst>
-              <a:ext uri="{FF2B5EF4-FFF2-40B4-BE49-F238E27FC236}">
-                <a16:creationId xmlns:a16="http://schemas.microsoft.com/office/drawing/2014/main" id="{D46D4420-F9EF-484F-9578-7FA89333BB64}"/>
-              </a:ext>
-            </a:extLst>
-          </p:cNvPr>
-          <p:cNvSpPr>
-            <a:spLocks noGrp="1"/>
-          </p:cNvSpPr>
-          <p:nvPr>
-            <p:ph type="title"/>
-          </p:nvPr>
-        </p:nvSpPr>
-        <p:spPr/>
-        <p:txBody>
-          <a:bodyPr>
-            <a:normAutofit/>
-          </a:bodyPr>
-          <a:lstStyle/>
-          <a:p>
-            <a:r>
-              <a:rPr lang="en-US" altLang="ko-KR" sz="4000" dirty="0"/>
-              <a:t>Validation with Korean rectal cancer data</a:t>
-            </a:r>
-            <a:endParaRPr lang="ko-KR" altLang="en-US" sz="4000" dirty="0"/>
-          </a:p>
-        </p:txBody>
-      </p:sp>
-      <p:pic>
-        <p:nvPicPr>
-          <p:cNvPr id="4" name="그림 3">
-            <a:extLst>
-              <a:ext uri="{FF2B5EF4-FFF2-40B4-BE49-F238E27FC236}">
-                <a16:creationId xmlns:a16="http://schemas.microsoft.com/office/drawing/2014/main" id="{4D9B922E-C98C-4656-BE3A-2131112C633E}"/>
-              </a:ext>
-            </a:extLst>
-          </p:cNvPr>
-          <p:cNvPicPr>
-            <a:picLocks noChangeAspect="1"/>
-          </p:cNvPicPr>
-          <p:nvPr/>
-        </p:nvPicPr>
-        <p:blipFill>
-          <a:blip r:embed="rId2"/>
-          <a:stretch>
-            <a:fillRect/>
-          </a:stretch>
-        </p:blipFill>
-        <p:spPr>
-          <a:xfrm>
-            <a:off x="745417" y="1845275"/>
-            <a:ext cx="6709741" cy="4304691"/>
-          </a:xfrm>
-          <a:prstGeom prst="rect">
-            <a:avLst/>
-          </a:prstGeom>
-        </p:spPr>
-      </p:pic>
-      <p:pic>
-        <p:nvPicPr>
-          <p:cNvPr id="5" name="그림 4">
-            <a:extLst>
-              <a:ext uri="{FF2B5EF4-FFF2-40B4-BE49-F238E27FC236}">
-                <a16:creationId xmlns:a16="http://schemas.microsoft.com/office/drawing/2014/main" id="{9A429937-83C8-4E97-ABC2-C7EFE306DECF}"/>
-              </a:ext>
-            </a:extLst>
-          </p:cNvPr>
-          <p:cNvPicPr>
-            <a:picLocks noChangeAspect="1"/>
-          </p:cNvPicPr>
-          <p:nvPr/>
-        </p:nvPicPr>
-        <p:blipFill>
-          <a:blip r:embed="rId3"/>
-          <a:stretch>
-            <a:fillRect/>
-          </a:stretch>
-        </p:blipFill>
-        <p:spPr>
-          <a:xfrm>
-            <a:off x="7972328" y="2083206"/>
-            <a:ext cx="2278745" cy="995896"/>
-          </a:xfrm>
-          <a:prstGeom prst="rect">
-            <a:avLst/>
-          </a:prstGeom>
-        </p:spPr>
-      </p:pic>
-      <p:sp>
-        <p:nvSpPr>
-          <p:cNvPr id="7" name="TextBox 6">
-            <a:extLst>
-              <a:ext uri="{FF2B5EF4-FFF2-40B4-BE49-F238E27FC236}">
-                <a16:creationId xmlns:a16="http://schemas.microsoft.com/office/drawing/2014/main" id="{9599B73C-A7DF-4F7D-951E-F4F3E87B0946}"/>
-              </a:ext>
-            </a:extLst>
-          </p:cNvPr>
-          <p:cNvSpPr txBox="1"/>
-          <p:nvPr/>
-        </p:nvSpPr>
-        <p:spPr>
-          <a:xfrm>
-            <a:off x="10142376" y="0"/>
-            <a:ext cx="2049624" cy="523220"/>
-          </a:xfrm>
-          <a:prstGeom prst="rect">
-            <a:avLst/>
-          </a:prstGeom>
-        </p:spPr>
-        <p:style>
-          <a:lnRef idx="1">
-            <a:schemeClr val="accent2"/>
-          </a:lnRef>
-          <a:fillRef idx="3">
-            <a:schemeClr val="accent2"/>
-          </a:fillRef>
-          <a:effectRef idx="2">
-            <a:schemeClr val="accent2"/>
-          </a:effectRef>
-          <a:fontRef idx="minor">
-            <a:schemeClr val="lt1"/>
-          </a:fontRef>
-        </p:style>
-        <p:txBody>
-          <a:bodyPr wrap="square" rtlCol="0">
-            <a:spAutoFit/>
-          </a:bodyPr>
-          <a:lstStyle/>
-          <a:p>
-            <a:pPr algn="ctr"/>
-            <a:r>
-              <a:rPr lang="en-US" altLang="ko-KR" sz="2800" b="1" dirty="0"/>
-              <a:t>Rank</a:t>
-            </a:r>
-            <a:r>
-              <a:rPr lang="ko-KR" altLang="en-US" sz="2800" b="1" dirty="0"/>
-              <a:t> </a:t>
-            </a:r>
-            <a:r>
-              <a:rPr lang="en-US" altLang="ko-KR" sz="2800" b="1" dirty="0"/>
-              <a:t>=</a:t>
-            </a:r>
-            <a:r>
-              <a:rPr lang="ko-KR" altLang="en-US" sz="2800" b="1" dirty="0"/>
-              <a:t> </a:t>
-            </a:r>
-            <a:r>
-              <a:rPr lang="en-US" altLang="ko-KR" sz="2800" b="1" dirty="0"/>
-              <a:t>2</a:t>
-            </a:r>
-          </a:p>
-        </p:txBody>
-      </p:sp>
-    </p:spTree>
-    <p:extLst>
-      <p:ext uri="{BB962C8B-B14F-4D97-AF65-F5344CB8AC3E}">
-        <p14:creationId xmlns:p14="http://schemas.microsoft.com/office/powerpoint/2010/main" val="1819493261"/>
       </p:ext>
     </p:extLst>
   </p:cSld>
@@ -8917,6 +9123,57 @@
           </a:prstGeom>
         </p:spPr>
       </p:pic>
+      <p:sp>
+        <p:nvSpPr>
+          <p:cNvPr id="4" name="직사각형 3">
+            <a:extLst>
+              <a:ext uri="{FF2B5EF4-FFF2-40B4-BE49-F238E27FC236}">
+                <a16:creationId xmlns:a16="http://schemas.microsoft.com/office/drawing/2014/main" id="{7E4DDA12-A48D-4C43-8E2C-AA56EFCB7B57}"/>
+              </a:ext>
+            </a:extLst>
+          </p:cNvPr>
+          <p:cNvSpPr/>
+          <p:nvPr/>
+        </p:nvSpPr>
+        <p:spPr>
+          <a:xfrm>
+            <a:off x="3899425" y="6143435"/>
+            <a:ext cx="1838901" cy="369332"/>
+          </a:xfrm>
+          <a:prstGeom prst="rect">
+            <a:avLst/>
+          </a:prstGeom>
+        </p:spPr>
+        <p:txBody>
+          <a:bodyPr wrap="none">
+            <a:spAutoFit/>
+          </a:bodyPr>
+          <a:lstStyle/>
+          <a:p>
+            <a:r>
+              <a:rPr lang="en-US" altLang="ko-KR" dirty="0"/>
+              <a:t>Threshold</a:t>
+            </a:r>
+            <a:r>
+              <a:rPr lang="ko-KR" altLang="en-US" dirty="0"/>
+              <a:t> </a:t>
+            </a:r>
+            <a:r>
+              <a:rPr lang="en-US" altLang="ko-KR" dirty="0"/>
+              <a:t>=</a:t>
+            </a:r>
+            <a:r>
+              <a:rPr lang="ko-KR" altLang="en-US" dirty="0"/>
+              <a:t> </a:t>
+            </a:r>
+            <a:r>
+              <a:rPr lang="en-US" altLang="ko-KR" dirty="0"/>
+              <a:t>5.0</a:t>
+            </a:r>
+            <a:endParaRPr lang="ko-KR" altLang="en-US" dirty="0"/>
+          </a:p>
+        </p:txBody>
+      </p:sp>
     </p:spTree>
     <p:extLst>
       <p:ext uri="{BB962C8B-B14F-4D97-AF65-F5344CB8AC3E}">
